--- a/plots/map.together.legend.edit.pptx
+++ b/plots/map.together.legend.edit.pptx
@@ -243,7 +243,7 @@
           <a:p>
             <a:fld id="{FB94F06E-BA44-D04B-BC1C-E5EF1623CFF5}" type="datetimeFigureOut">
               <a:rPr lang="en-US" smtClean="0"/>
-              <a:t>12/18/23</a:t>
+              <a:t>12/22/23</a:t>
             </a:fld>
             <a:endParaRPr lang="en-US"/>
           </a:p>
@@ -413,7 +413,7 @@
           <a:p>
             <a:fld id="{FB94F06E-BA44-D04B-BC1C-E5EF1623CFF5}" type="datetimeFigureOut">
               <a:rPr lang="en-US" smtClean="0"/>
-              <a:t>12/18/23</a:t>
+              <a:t>12/22/23</a:t>
             </a:fld>
             <a:endParaRPr lang="en-US"/>
           </a:p>
@@ -593,7 +593,7 @@
           <a:p>
             <a:fld id="{FB94F06E-BA44-D04B-BC1C-E5EF1623CFF5}" type="datetimeFigureOut">
               <a:rPr lang="en-US" smtClean="0"/>
-              <a:t>12/18/23</a:t>
+              <a:t>12/22/23</a:t>
             </a:fld>
             <a:endParaRPr lang="en-US"/>
           </a:p>
@@ -763,7 +763,7 @@
           <a:p>
             <a:fld id="{FB94F06E-BA44-D04B-BC1C-E5EF1623CFF5}" type="datetimeFigureOut">
               <a:rPr lang="en-US" smtClean="0"/>
-              <a:t>12/18/23</a:t>
+              <a:t>12/22/23</a:t>
             </a:fld>
             <a:endParaRPr lang="en-US"/>
           </a:p>
@@ -1007,7 +1007,7 @@
           <a:p>
             <a:fld id="{FB94F06E-BA44-D04B-BC1C-E5EF1623CFF5}" type="datetimeFigureOut">
               <a:rPr lang="en-US" smtClean="0"/>
-              <a:t>12/18/23</a:t>
+              <a:t>12/22/23</a:t>
             </a:fld>
             <a:endParaRPr lang="en-US"/>
           </a:p>
@@ -1239,7 +1239,7 @@
           <a:p>
             <a:fld id="{FB94F06E-BA44-D04B-BC1C-E5EF1623CFF5}" type="datetimeFigureOut">
               <a:rPr lang="en-US" smtClean="0"/>
-              <a:t>12/18/23</a:t>
+              <a:t>12/22/23</a:t>
             </a:fld>
             <a:endParaRPr lang="en-US"/>
           </a:p>
@@ -1606,7 +1606,7 @@
           <a:p>
             <a:fld id="{FB94F06E-BA44-D04B-BC1C-E5EF1623CFF5}" type="datetimeFigureOut">
               <a:rPr lang="en-US" smtClean="0"/>
-              <a:t>12/18/23</a:t>
+              <a:t>12/22/23</a:t>
             </a:fld>
             <a:endParaRPr lang="en-US"/>
           </a:p>
@@ -1724,7 +1724,7 @@
           <a:p>
             <a:fld id="{FB94F06E-BA44-D04B-BC1C-E5EF1623CFF5}" type="datetimeFigureOut">
               <a:rPr lang="en-US" smtClean="0"/>
-              <a:t>12/18/23</a:t>
+              <a:t>12/22/23</a:t>
             </a:fld>
             <a:endParaRPr lang="en-US"/>
           </a:p>
@@ -1819,7 +1819,7 @@
           <a:p>
             <a:fld id="{FB94F06E-BA44-D04B-BC1C-E5EF1623CFF5}" type="datetimeFigureOut">
               <a:rPr lang="en-US" smtClean="0"/>
-              <a:t>12/18/23</a:t>
+              <a:t>12/22/23</a:t>
             </a:fld>
             <a:endParaRPr lang="en-US"/>
           </a:p>
@@ -2096,7 +2096,7 @@
           <a:p>
             <a:fld id="{FB94F06E-BA44-D04B-BC1C-E5EF1623CFF5}" type="datetimeFigureOut">
               <a:rPr lang="en-US" smtClean="0"/>
-              <a:t>12/18/23</a:t>
+              <a:t>12/22/23</a:t>
             </a:fld>
             <a:endParaRPr lang="en-US"/>
           </a:p>
@@ -2353,7 +2353,7 @@
           <a:p>
             <a:fld id="{FB94F06E-BA44-D04B-BC1C-E5EF1623CFF5}" type="datetimeFigureOut">
               <a:rPr lang="en-US" smtClean="0"/>
-              <a:t>12/18/23</a:t>
+              <a:t>12/22/23</a:t>
             </a:fld>
             <a:endParaRPr lang="en-US"/>
           </a:p>
@@ -2566,7 +2566,7 @@
           <a:p>
             <a:fld id="{FB94F06E-BA44-D04B-BC1C-E5EF1623CFF5}" type="datetimeFigureOut">
               <a:rPr lang="en-US" smtClean="0"/>
-              <a:t>12/18/23</a:t>
+              <a:t>12/22/23</a:t>
             </a:fld>
             <a:endParaRPr lang="en-US"/>
           </a:p>
@@ -2987,7 +2987,7 @@
         </p:nvPicPr>
         <p:blipFill rotWithShape="1">
           <a:blip r:embed="rId2"/>
-          <a:srcRect l="-1328" t="457" r="1328" b="85979"/>
+          <a:srcRect t="457" b="85979"/>
           <a:stretch/>
         </p:blipFill>
         <p:spPr>
@@ -3015,7 +3015,7 @@
           <p:nvPr/>
         </p:nvPicPr>
         <p:blipFill rotWithShape="1">
-          <a:blip r:embed="rId3"/>
+          <a:blip r:embed="rId2"/>
           <a:srcRect t="22716"/>
           <a:stretch/>
         </p:blipFill>
@@ -3044,7 +3044,7 @@
           <p:nvPr/>
         </p:nvPicPr>
         <p:blipFill rotWithShape="1">
-          <a:blip r:embed="rId4"/>
+          <a:blip r:embed="rId3"/>
           <a:srcRect l="16180" t="13086" r="70356" b="76791"/>
           <a:stretch/>
         </p:blipFill>
@@ -3073,7 +3073,7 @@
           <p:nvPr/>
         </p:nvPicPr>
         <p:blipFill rotWithShape="1">
-          <a:blip r:embed="rId4"/>
+          <a:blip r:embed="rId3"/>
           <a:srcRect l="38614" t="14091" r="50473" b="80101"/>
           <a:stretch/>
         </p:blipFill>
@@ -3102,7 +3102,7 @@
           <p:nvPr/>
         </p:nvPicPr>
         <p:blipFill rotWithShape="1">
-          <a:blip r:embed="rId4"/>
+          <a:blip r:embed="rId3"/>
           <a:srcRect l="29753" t="18538" r="62236" b="77787"/>
           <a:stretch/>
         </p:blipFill>
@@ -3131,7 +3131,7 @@
           <p:nvPr/>
         </p:nvPicPr>
         <p:blipFill rotWithShape="1">
-          <a:blip r:embed="rId4"/>
+          <a:blip r:embed="rId3"/>
           <a:srcRect l="3955" t="14583" r="84101" b="81250"/>
           <a:stretch/>
         </p:blipFill>
@@ -3160,7 +3160,7 @@
           <p:nvPr/>
         </p:nvPicPr>
         <p:blipFill rotWithShape="1">
-          <a:blip r:embed="rId4"/>
+          <a:blip r:embed="rId3"/>
           <a:srcRect l="29672" t="14942" r="60953" b="81463"/>
           <a:stretch/>
         </p:blipFill>

--- a/plots/map.together.legend.edit.pptx
+++ b/plots/map.together.legend.edit.pptx
@@ -243,7 +243,7 @@
           <a:p>
             <a:fld id="{FB94F06E-BA44-D04B-BC1C-E5EF1623CFF5}" type="datetimeFigureOut">
               <a:rPr lang="en-US" smtClean="0"/>
-              <a:t>12/22/23</a:t>
+              <a:t>12/27/23</a:t>
             </a:fld>
             <a:endParaRPr lang="en-US"/>
           </a:p>
@@ -413,7 +413,7 @@
           <a:p>
             <a:fld id="{FB94F06E-BA44-D04B-BC1C-E5EF1623CFF5}" type="datetimeFigureOut">
               <a:rPr lang="en-US" smtClean="0"/>
-              <a:t>12/22/23</a:t>
+              <a:t>12/27/23</a:t>
             </a:fld>
             <a:endParaRPr lang="en-US"/>
           </a:p>
@@ -593,7 +593,7 @@
           <a:p>
             <a:fld id="{FB94F06E-BA44-D04B-BC1C-E5EF1623CFF5}" type="datetimeFigureOut">
               <a:rPr lang="en-US" smtClean="0"/>
-              <a:t>12/22/23</a:t>
+              <a:t>12/27/23</a:t>
             </a:fld>
             <a:endParaRPr lang="en-US"/>
           </a:p>
@@ -763,7 +763,7 @@
           <a:p>
             <a:fld id="{FB94F06E-BA44-D04B-BC1C-E5EF1623CFF5}" type="datetimeFigureOut">
               <a:rPr lang="en-US" smtClean="0"/>
-              <a:t>12/22/23</a:t>
+              <a:t>12/27/23</a:t>
             </a:fld>
             <a:endParaRPr lang="en-US"/>
           </a:p>
@@ -1007,7 +1007,7 @@
           <a:p>
             <a:fld id="{FB94F06E-BA44-D04B-BC1C-E5EF1623CFF5}" type="datetimeFigureOut">
               <a:rPr lang="en-US" smtClean="0"/>
-              <a:t>12/22/23</a:t>
+              <a:t>12/27/23</a:t>
             </a:fld>
             <a:endParaRPr lang="en-US"/>
           </a:p>
@@ -1239,7 +1239,7 @@
           <a:p>
             <a:fld id="{FB94F06E-BA44-D04B-BC1C-E5EF1623CFF5}" type="datetimeFigureOut">
               <a:rPr lang="en-US" smtClean="0"/>
-              <a:t>12/22/23</a:t>
+              <a:t>12/27/23</a:t>
             </a:fld>
             <a:endParaRPr lang="en-US"/>
           </a:p>
@@ -1606,7 +1606,7 @@
           <a:p>
             <a:fld id="{FB94F06E-BA44-D04B-BC1C-E5EF1623CFF5}" type="datetimeFigureOut">
               <a:rPr lang="en-US" smtClean="0"/>
-              <a:t>12/22/23</a:t>
+              <a:t>12/27/23</a:t>
             </a:fld>
             <a:endParaRPr lang="en-US"/>
           </a:p>
@@ -1724,7 +1724,7 @@
           <a:p>
             <a:fld id="{FB94F06E-BA44-D04B-BC1C-E5EF1623CFF5}" type="datetimeFigureOut">
               <a:rPr lang="en-US" smtClean="0"/>
-              <a:t>12/22/23</a:t>
+              <a:t>12/27/23</a:t>
             </a:fld>
             <a:endParaRPr lang="en-US"/>
           </a:p>
@@ -1819,7 +1819,7 @@
           <a:p>
             <a:fld id="{FB94F06E-BA44-D04B-BC1C-E5EF1623CFF5}" type="datetimeFigureOut">
               <a:rPr lang="en-US" smtClean="0"/>
-              <a:t>12/22/23</a:t>
+              <a:t>12/27/23</a:t>
             </a:fld>
             <a:endParaRPr lang="en-US"/>
           </a:p>
@@ -2096,7 +2096,7 @@
           <a:p>
             <a:fld id="{FB94F06E-BA44-D04B-BC1C-E5EF1623CFF5}" type="datetimeFigureOut">
               <a:rPr lang="en-US" smtClean="0"/>
-              <a:t>12/22/23</a:t>
+              <a:t>12/27/23</a:t>
             </a:fld>
             <a:endParaRPr lang="en-US"/>
           </a:p>
@@ -2353,7 +2353,7 @@
           <a:p>
             <a:fld id="{FB94F06E-BA44-D04B-BC1C-E5EF1623CFF5}" type="datetimeFigureOut">
               <a:rPr lang="en-US" smtClean="0"/>
-              <a:t>12/22/23</a:t>
+              <a:t>12/27/23</a:t>
             </a:fld>
             <a:endParaRPr lang="en-US"/>
           </a:p>
@@ -2566,7 +2566,7 @@
           <a:p>
             <a:fld id="{FB94F06E-BA44-D04B-BC1C-E5EF1623CFF5}" type="datetimeFigureOut">
               <a:rPr lang="en-US" smtClean="0"/>
-              <a:t>12/22/23</a:t>
+              <a:t>12/27/23</a:t>
             </a:fld>
             <a:endParaRPr lang="en-US"/>
           </a:p>
@@ -2987,7 +2987,7 @@
         </p:nvPicPr>
         <p:blipFill rotWithShape="1">
           <a:blip r:embed="rId2"/>
-          <a:srcRect t="457" b="85979"/>
+          <a:srcRect t="1836" b="84600"/>
           <a:stretch/>
         </p:blipFill>
         <p:spPr>
@@ -3016,7 +3016,7 @@
         </p:nvPicPr>
         <p:blipFill rotWithShape="1">
           <a:blip r:embed="rId2"/>
-          <a:srcRect t="22716"/>
+          <a:srcRect l="131" t="22716" r="-131"/>
           <a:stretch/>
         </p:blipFill>
         <p:spPr>

--- a/plots/map.together.legend.edit.pptx
+++ b/plots/map.together.legend.edit.pptx
@@ -2987,7 +2987,7 @@
         </p:nvPicPr>
         <p:blipFill rotWithShape="1">
           <a:blip r:embed="rId2"/>
-          <a:srcRect t="1836" b="84600"/>
+          <a:srcRect t="2143" b="84293"/>
           <a:stretch/>
         </p:blipFill>
         <p:spPr>
@@ -3016,7 +3016,7 @@
         </p:nvPicPr>
         <p:blipFill rotWithShape="1">
           <a:blip r:embed="rId2"/>
-          <a:srcRect l="131" t="22716" r="-131"/>
+          <a:srcRect t="22716"/>
           <a:stretch/>
         </p:blipFill>
         <p:spPr>
